--- a/Software Architecture/CA Software Architecture.pptx
+++ b/Software Architecture/CA Software Architecture.pptx
@@ -47,12 +47,12 @@
       <p:boldItalic r:id="rId24"/>
     </p:embeddedFont>
     <p:embeddedFont>
-      <p:font typeface="Nunito Light" pitchFamily="2" charset="0"/>
+      <p:font typeface="Nunito Light" panose="00000400000000000000" pitchFamily="2" charset="0"/>
       <p:regular r:id="rId25"/>
       <p:italic r:id="rId26"/>
     </p:embeddedFont>
     <p:embeddedFont>
-      <p:font typeface="Raleway" pitchFamily="2" charset="0"/>
+      <p:font typeface="Raleway" panose="020B0503030101060003" pitchFamily="34" charset="0"/>
       <p:regular r:id="rId27"/>
       <p:bold r:id="rId28"/>
       <p:italic r:id="rId29"/>
@@ -15731,6 +15731,34 @@
           </a:p>
         </p:txBody>
       </p:sp>
+      <p:pic>
+        <p:nvPicPr>
+          <p:cNvPr id="8" name="Picture 2">
+            <a:extLst>
+              <a:ext uri="{FF2B5EF4-FFF2-40B4-BE49-F238E27FC236}">
+                <a16:creationId xmlns:a16="http://schemas.microsoft.com/office/drawing/2014/main" id="{74749748-9A27-4DB8-B037-4F298DADDDB1}"/>
+              </a:ext>
+            </a:extLst>
+          </p:cNvPr>
+          <p:cNvPicPr/>
+          <p:nvPr/>
+        </p:nvPicPr>
+        <p:blipFill>
+          <a:blip r:embed="rId3"/>
+          <a:stretch>
+            <a:fillRect/>
+          </a:stretch>
+        </p:blipFill>
+        <p:spPr>
+          <a:xfrm>
+            <a:off x="580102" y="1337187"/>
+            <a:ext cx="6735098" cy="2929146"/>
+          </a:xfrm>
+          <a:prstGeom prst="rect">
+            <a:avLst/>
+          </a:prstGeom>
+        </p:spPr>
+      </p:pic>
     </p:spTree>
     <p:extLst>
       <p:ext uri="{BB962C8B-B14F-4D97-AF65-F5344CB8AC3E}">
@@ -15912,7 +15940,7 @@
           <p:nvPr>
             <p:extLst>
               <p:ext uri="{D42A27DB-BD31-4B8C-83A1-F6EECF244321}">
-                <p14:modId xmlns:p14="http://schemas.microsoft.com/office/powerpoint/2010/main" val="2112376238"/>
+                <p14:modId xmlns:p14="http://schemas.microsoft.com/office/powerpoint/2010/main" val="61431241"/>
               </p:ext>
             </p:extLst>
           </p:nvPr>
@@ -16257,7 +16285,7 @@
                             <a:schemeClr val="tx1"/>
                           </a:solidFill>
                         </a:rPr>
-                        <a:t>Scanners</a:t>
+                        <a:t>GPS</a:t>
                       </a:r>
                     </a:p>
                   </a:txBody>
@@ -16283,22 +16311,6 @@
                           </a:solidFill>
                         </a:rPr>
                         <a:t>Quality</a:t>
-                      </a:r>
-                      <a:r>
-                        <a:rPr lang="fr-FR" dirty="0">
-                          <a:solidFill>
-                            <a:schemeClr val="tx1"/>
-                          </a:solidFill>
-                        </a:rPr>
-                        <a:t> </a:t>
-                      </a:r>
-                      <a:r>
-                        <a:rPr lang="fr-FR" dirty="0" err="1">
-                          <a:solidFill>
-                            <a:schemeClr val="tx1"/>
-                          </a:solidFill>
-                        </a:rPr>
-                        <a:t>resolution</a:t>
                       </a:r>
                       <a:endParaRPr lang="fr-FR" dirty="0">
                         <a:solidFill>
@@ -17583,13 +17595,13 @@
   <p:clrMapOvr>
     <a:masterClrMapping/>
   </p:clrMapOvr>
-  <mc:AlternateContent xmlns:mc="http://schemas.openxmlformats.org/markup-compatibility/2006">
-    <mc:Choice xmlns:p14="http://schemas.microsoft.com/office/powerpoint/2010/main" Requires="p14">
+  <mc:AlternateContent xmlns:mc="http://schemas.openxmlformats.org/markup-compatibility/2006" xmlns:p14="http://schemas.microsoft.com/office/powerpoint/2010/main">
+    <mc:Choice Requires="p14">
       <p:transition spd="slow" p14:dur="3900">
         <p14:glitter pattern="hexagon"/>
       </p:transition>
     </mc:Choice>
-    <mc:Fallback>
+    <mc:Fallback xmlns="">
       <p:transition spd="slow">
         <p:fade/>
       </p:transition>
@@ -23625,7 +23637,7 @@
         </p:nvSpPr>
         <p:spPr>
           <a:xfrm>
-            <a:off x="719999" y="1761124"/>
+            <a:off x="713224" y="1419104"/>
             <a:ext cx="7460439" cy="1740389"/>
           </a:xfrm>
           <a:prstGeom prst="rect">
@@ -23766,11 +23778,11 @@
             </a:r>
             <a:r>
               <a:rPr lang="fr-FR" sz="2400" dirty="0"/>
-              <a:t> </a:t>
+              <a:t> and to manage the </a:t>
             </a:r>
             <a:r>
               <a:rPr lang="fr-FR" sz="2400" dirty="0" err="1"/>
-              <a:t>schedule</a:t>
+              <a:t>project</a:t>
             </a:r>
             <a:r>
               <a:rPr lang="fr-FR" sz="2400" dirty="0"/>
@@ -25475,36 +25487,157 @@
           </a:p>
         </p:txBody>
       </p:sp>
-      <p:pic>
-        <p:nvPicPr>
-          <p:cNvPr id="3" name="Image 2">
+      <p:sp>
+        <p:nvSpPr>
+          <p:cNvPr id="2" name="Rectangle 2">
             <a:extLst>
               <a:ext uri="{FF2B5EF4-FFF2-40B4-BE49-F238E27FC236}">
-                <a16:creationId xmlns:a16="http://schemas.microsoft.com/office/drawing/2014/main" id="{CCB3E2B7-A46C-41C0-B378-FB047544E719}"/>
+                <a16:creationId xmlns:a16="http://schemas.microsoft.com/office/drawing/2014/main" id="{AB0E349D-57C4-4A23-8B0F-C184C6CE1B29}"/>
               </a:ext>
             </a:extLst>
           </p:cNvPr>
-          <p:cNvPicPr>
-            <a:picLocks noChangeAspect="1"/>
-          </p:cNvPicPr>
+          <p:cNvSpPr>
+            <a:spLocks noChangeArrowheads="1"/>
+          </p:cNvSpPr>
           <p:nvPr/>
-        </p:nvPicPr>
-        <p:blipFill>
-          <a:blip r:embed="rId3"/>
-          <a:stretch>
-            <a:fillRect/>
-          </a:stretch>
-        </p:blipFill>
-        <p:spPr>
+        </p:nvSpPr>
+        <p:spPr bwMode="auto">
           <a:xfrm>
-            <a:off x="1565956" y="1078827"/>
-            <a:ext cx="7216326" cy="3854171"/>
+            <a:off x="1349424" y="1634327"/>
+            <a:ext cx="9144000" cy="0"/>
           </a:xfrm>
           <a:prstGeom prst="rect">
             <a:avLst/>
           </a:prstGeom>
+          <a:noFill/>
+          <a:ln>
+            <a:noFill/>
+          </a:ln>
+          <a:effectLst/>
+          <a:extLst>
+            <a:ext uri="{909E8E84-426E-40DD-AFC4-6F175D3DCCD1}">
+              <a14:hiddenFill xmlns:a14="http://schemas.microsoft.com/office/drawing/2010/main">
+                <a:solidFill>
+                  <a:schemeClr val="accent1"/>
+                </a:solidFill>
+              </a14:hiddenFill>
+            </a:ext>
+            <a:ext uri="{91240B29-F687-4F45-9708-019B960494DF}">
+              <a14:hiddenLine xmlns:a14="http://schemas.microsoft.com/office/drawing/2010/main" w="9525">
+                <a:solidFill>
+                  <a:schemeClr val="tx1"/>
+                </a:solidFill>
+                <a:miter lim="800000"/>
+                <a:headEnd/>
+                <a:tailEnd/>
+              </a14:hiddenLine>
+            </a:ext>
+            <a:ext uri="{AF507438-7753-43E0-B8FC-AC1667EBCBE1}">
+              <a14:hiddenEffects xmlns:a14="http://schemas.microsoft.com/office/drawing/2010/main">
+                <a:effectLst>
+                  <a:outerShdw dist="35921" dir="2700000" algn="ctr" rotWithShape="0">
+                    <a:schemeClr val="bg2"/>
+                  </a:outerShdw>
+                </a:effectLst>
+              </a14:hiddenEffects>
+            </a:ext>
+          </a:extLst>
         </p:spPr>
-      </p:pic>
+        <p:txBody>
+          <a:bodyPr vert="horz" wrap="none" lIns="91440" tIns="45720" rIns="91440" bIns="45720" numCol="1" anchor="ctr" anchorCtr="0" compatLnSpc="1">
+            <a:prstTxWarp prst="textNoShape">
+              <a:avLst/>
+            </a:prstTxWarp>
+            <a:spAutoFit/>
+          </a:bodyPr>
+          <a:lstStyle/>
+          <a:p>
+            <a:endParaRPr lang="fr-FR"/>
+          </a:p>
+        </p:txBody>
+      </p:sp>
+      <p:graphicFrame>
+        <p:nvGraphicFramePr>
+          <p:cNvPr id="4" name="Objet 3">
+            <a:extLst>
+              <a:ext uri="{FF2B5EF4-FFF2-40B4-BE49-F238E27FC236}">
+                <a16:creationId xmlns:a16="http://schemas.microsoft.com/office/drawing/2014/main" id="{9D14A10C-6742-4EAE-A4E3-3E4BB169BA89}"/>
+              </a:ext>
+            </a:extLst>
+          </p:cNvPr>
+          <p:cNvGraphicFramePr>
+            <a:graphicFrameLocks noChangeAspect="1"/>
+          </p:cNvGraphicFramePr>
+          <p:nvPr>
+            <p:extLst>
+              <p:ext uri="{D42A27DB-BD31-4B8C-83A1-F6EECF244321}">
+                <p14:modId xmlns:p14="http://schemas.microsoft.com/office/powerpoint/2010/main" val="1675525746"/>
+              </p:ext>
+            </p:extLst>
+          </p:nvPr>
+        </p:nvGraphicFramePr>
+        <p:xfrm>
+          <a:off x="361718" y="1135561"/>
+          <a:ext cx="8022020" cy="3512133"/>
+        </p:xfrm>
+        <a:graphic>
+          <a:graphicData uri="http://schemas.openxmlformats.org/presentationml/2006/ole">
+            <mc:AlternateContent xmlns:mc="http://schemas.openxmlformats.org/markup-compatibility/2006">
+              <mc:Choice xmlns:v="urn:schemas-microsoft-com:vml" Requires="v">
+                <p:oleObj spid="_x0000_s1029" r:id="rId4" imgW="15285366" imgH="6697956" progId="Visio.Drawing.15">
+                  <p:embed/>
+                </p:oleObj>
+              </mc:Choice>
+              <mc:Fallback>
+                <p:oleObj r:id="rId4" imgW="15285366" imgH="6697956" progId="Visio.Drawing.15">
+                  <p:embed/>
+                  <p:pic>
+                    <p:nvPicPr>
+                      <p:cNvPr id="0" name="Object 1"/>
+                      <p:cNvPicPr>
+                        <a:picLocks noChangeAspect="1" noChangeArrowheads="1"/>
+                      </p:cNvPicPr>
+                      <p:nvPr/>
+                    </p:nvPicPr>
+                    <p:blipFill>
+                      <a:blip r:embed="rId5">
+                        <a:extLst>
+                          <a:ext uri="{28A0092B-C50C-407E-A947-70E740481C1C}">
+                            <a14:useLocalDpi xmlns:a14="http://schemas.microsoft.com/office/drawing/2010/main" val="0"/>
+                          </a:ext>
+                        </a:extLst>
+                      </a:blip>
+                      <a:srcRect/>
+                      <a:stretch>
+                        <a:fillRect/>
+                      </a:stretch>
+                    </p:blipFill>
+                    <p:spPr bwMode="auto">
+                      <a:xfrm>
+                        <a:off x="361718" y="1135561"/>
+                        <a:ext cx="8022020" cy="3512133"/>
+                      </a:xfrm>
+                      <a:prstGeom prst="rect">
+                        <a:avLst/>
+                      </a:prstGeom>
+                      <a:noFill/>
+                      <a:extLst>
+                        <a:ext uri="{909E8E84-426E-40DD-AFC4-6F175D3DCCD1}">
+                          <a14:hiddenFill xmlns:a14="http://schemas.microsoft.com/office/drawing/2010/main">
+                            <a:solidFill>
+                              <a:srgbClr val="FFFFFF"/>
+                            </a:solidFill>
+                          </a14:hiddenFill>
+                        </a:ext>
+                      </a:extLst>
+                    </p:spPr>
+                  </p:pic>
+                </p:oleObj>
+              </mc:Fallback>
+            </mc:AlternateContent>
+          </a:graphicData>
+        </a:graphic>
+      </p:graphicFrame>
     </p:spTree>
     <p:extLst>
       <p:ext uri="{BB962C8B-B14F-4D97-AF65-F5344CB8AC3E}">
